--- a/docs/EatBalanced_Presentation_Klonner.pptx
+++ b/docs/EatBalanced_Presentation_Klonner.pptx
@@ -406,7 +406,7 @@
             <a:fld id="{90FB30C2-88FE-43E2-BC08-96A5A2047C0E}" type="datetimeFigureOut">
               <a:rPr lang="de-DE" smtClean="0"/>
               <a:pPr/>
-              <a:t>11.03.2018</a:t>
+              <a:t>13.03.2018</a:t>
             </a:fld>
             <a:endParaRPr lang="de-AT" dirty="0"/>
           </a:p>
@@ -599,7 +599,7 @@
             <a:fld id="{90FB30C2-88FE-43E2-BC08-96A5A2047C0E}" type="datetimeFigureOut">
               <a:rPr lang="de-DE" smtClean="0"/>
               <a:pPr/>
-              <a:t>11.03.2018</a:t>
+              <a:t>13.03.2018</a:t>
             </a:fld>
             <a:endParaRPr lang="de-AT" dirty="0"/>
           </a:p>
@@ -786,7 +786,7 @@
             <a:fld id="{90FB30C2-88FE-43E2-BC08-96A5A2047C0E}" type="datetimeFigureOut">
               <a:rPr lang="de-DE" smtClean="0"/>
               <a:pPr/>
-              <a:t>11.03.2018</a:t>
+              <a:t>13.03.2018</a:t>
             </a:fld>
             <a:endParaRPr lang="de-AT" dirty="0"/>
           </a:p>
@@ -1051,7 +1051,7 @@
             <a:fld id="{90FB30C2-88FE-43E2-BC08-96A5A2047C0E}" type="datetimeFigureOut">
               <a:rPr lang="de-DE" smtClean="0"/>
               <a:pPr/>
-              <a:t>11.03.2018</a:t>
+              <a:t>13.03.2018</a:t>
             </a:fld>
             <a:endParaRPr lang="de-AT" dirty="0"/>
           </a:p>
@@ -1469,7 +1469,7 @@
             <a:fld id="{90FB30C2-88FE-43E2-BC08-96A5A2047C0E}" type="datetimeFigureOut">
               <a:rPr lang="de-DE" smtClean="0"/>
               <a:pPr/>
-              <a:t>11.03.2018</a:t>
+              <a:t>13.03.2018</a:t>
             </a:fld>
             <a:endParaRPr lang="de-AT" dirty="0"/>
           </a:p>
@@ -1713,7 +1713,7 @@
             <a:fld id="{90FB30C2-88FE-43E2-BC08-96A5A2047C0E}" type="datetimeFigureOut">
               <a:rPr lang="de-DE" smtClean="0"/>
               <a:pPr/>
-              <a:t>11.03.2018</a:t>
+              <a:t>13.03.2018</a:t>
             </a:fld>
             <a:endParaRPr lang="de-AT" dirty="0"/>
           </a:p>
@@ -1951,7 +1951,7 @@
             <a:fld id="{90FB30C2-88FE-43E2-BC08-96A5A2047C0E}" type="datetimeFigureOut">
               <a:rPr lang="de-DE" smtClean="0"/>
               <a:pPr/>
-              <a:t>11.03.2018</a:t>
+              <a:t>13.03.2018</a:t>
             </a:fld>
             <a:endParaRPr lang="de-AT" dirty="0"/>
           </a:p>
@@ -2148,7 +2148,7 @@
             <a:fld id="{90FB30C2-88FE-43E2-BC08-96A5A2047C0E}" type="datetimeFigureOut">
               <a:rPr lang="de-DE" smtClean="0"/>
               <a:pPr/>
-              <a:t>11.03.2018</a:t>
+              <a:t>13.03.2018</a:t>
             </a:fld>
             <a:endParaRPr lang="de-AT" dirty="0"/>
           </a:p>
@@ -2248,7 +2248,7 @@
             <a:fld id="{90FB30C2-88FE-43E2-BC08-96A5A2047C0E}" type="datetimeFigureOut">
               <a:rPr lang="de-DE" smtClean="0"/>
               <a:pPr/>
-              <a:t>11.03.2018</a:t>
+              <a:t>13.03.2018</a:t>
             </a:fld>
             <a:endParaRPr lang="de-AT" dirty="0"/>
           </a:p>
@@ -2386,7 +2386,7 @@
             <a:fld id="{90FB30C2-88FE-43E2-BC08-96A5A2047C0E}" type="datetimeFigureOut">
               <a:rPr lang="de-DE" smtClean="0"/>
               <a:pPr/>
-              <a:t>11.03.2018</a:t>
+              <a:t>13.03.2018</a:t>
             </a:fld>
             <a:endParaRPr lang="de-AT" dirty="0"/>
           </a:p>
@@ -2906,7 +2906,7 @@
             <a:fld id="{90FB30C2-88FE-43E2-BC08-96A5A2047C0E}" type="datetimeFigureOut">
               <a:rPr lang="de-DE" smtClean="0"/>
               <a:pPr/>
-              <a:t>11.03.2018</a:t>
+              <a:t>13.03.2018</a:t>
             </a:fld>
             <a:endParaRPr lang="de-AT" dirty="0"/>
           </a:p>
@@ -3169,7 +3169,7 @@
             <a:fld id="{90FB30C2-88FE-43E2-BC08-96A5A2047C0E}" type="datetimeFigureOut">
               <a:rPr lang="de-DE" smtClean="0"/>
               <a:pPr/>
-              <a:t>11.03.2018</a:t>
+              <a:t>13.03.2018</a:t>
             </a:fld>
             <a:endParaRPr lang="de-AT" dirty="0"/>
           </a:p>
@@ -4024,11 +4024,7 @@
           <a:p>
             <a:r>
               <a:rPr lang="de-AT" sz="2400" dirty="0" smtClean="0"/>
-              <a:t>z</a:t>
-            </a:r>
-            <a:r>
-              <a:rPr lang="de-AT" sz="2400" dirty="0" smtClean="0"/>
-              <a:t>.B. gesund Abnehmen </a:t>
+              <a:t>z.B. gesund Abnehmen </a:t>
             </a:r>
           </a:p>
           <a:p>
@@ -4037,21 +4033,8 @@
             </a:pPr>
             <a:r>
               <a:rPr lang="de-AT" sz="2400" dirty="0" smtClean="0"/>
-              <a:t>	</a:t>
-            </a:r>
-            <a:r>
-              <a:rPr lang="de-AT" sz="2400" dirty="0" smtClean="0"/>
-              <a:t>	(</a:t>
-            </a:r>
-            <a:r>
-              <a:rPr lang="de-AT" sz="2400" dirty="0" smtClean="0"/>
-              <a:t>Tagesenergiebedarf – 500 </a:t>
-            </a:r>
-            <a:r>
-              <a:rPr lang="de-AT" sz="2400" dirty="0" smtClean="0"/>
-              <a:t>kcal)</a:t>
-            </a:r>
-            <a:endParaRPr lang="de-AT" sz="2400" dirty="0" smtClean="0"/>
+              <a:t>		(Tagesenergiebedarf – 500 kcal)</a:t>
+            </a:r>
           </a:p>
           <a:p>
             <a:r>
@@ -4065,11 +4048,7 @@
             </a:pPr>
             <a:r>
               <a:rPr lang="de-AT" sz="2400" dirty="0" smtClean="0"/>
-              <a:t>	</a:t>
-            </a:r>
-            <a:r>
-              <a:rPr lang="de-AT" sz="2400" dirty="0" smtClean="0"/>
-              <a:t>	(Tagesenergiebedarf + 200 kcal)</a:t>
+              <a:t>		(Tagesenergiebedarf + 200 kcal)</a:t>
             </a:r>
           </a:p>
           <a:p>
@@ -4723,11 +4702,7 @@
             </a:r>
             <a:r>
               <a:rPr lang="de-AT" dirty="0" smtClean="0"/>
-              <a:t>-</a:t>
-            </a:r>
-            <a:r>
-              <a:rPr lang="de-AT" dirty="0" smtClean="0"/>
-              <a:t>Ernährungsplaner</a:t>
+              <a:t>-Ernährungsplaner</a:t>
             </a:r>
             <a:endParaRPr lang="de-AT" dirty="0"/>
           </a:p>
@@ -4760,34 +4735,27 @@
             </a:r>
             <a:r>
               <a:rPr lang="de-AT" dirty="0" smtClean="0"/>
-              <a:t> </a:t>
-            </a:r>
+              <a:t> erstellen (für Haushalt)</a:t>
+            </a:r>
+          </a:p>
+          <a:p>
+            <a:pPr lvl="1"/>
             <a:r>
               <a:rPr lang="de-AT" dirty="0" smtClean="0"/>
-              <a:t>erstellen (für Haushalt)</a:t>
+              <a:t>mit Desktop oder Smartphone</a:t>
             </a:r>
           </a:p>
           <a:p>
             <a:pPr lvl="1"/>
             <a:r>
               <a:rPr lang="de-AT" dirty="0" smtClean="0"/>
-              <a:t>m</a:t>
+              <a:t>beim Kochen Rezept vom </a:t>
             </a:r>
             <a:r>
               <a:rPr lang="de-AT" dirty="0" smtClean="0"/>
-              <a:t>it Desktop oder Smartphone</a:t>
-            </a:r>
-          </a:p>
-          <a:p>
-            <a:pPr lvl="1"/>
-            <a:r>
-              <a:rPr lang="de-AT" dirty="0" smtClean="0"/>
-              <a:t>b</a:t>
-            </a:r>
-            <a:r>
-              <a:rPr lang="de-AT" dirty="0" smtClean="0"/>
-              <a:t>eim Kochen Rezept vom Smartphone</a:t>
-            </a:r>
+              <a:t>Smartphone verwenden</a:t>
+            </a:r>
+            <a:endParaRPr lang="de-AT" dirty="0" smtClean="0"/>
           </a:p>
           <a:p>
             <a:pPr lvl="1"/>
@@ -4795,7 +4763,6 @@
               <a:rPr lang="de-AT" dirty="0" smtClean="0"/>
               <a:t>User-spezifische Anpassung der Rezepte</a:t>
             </a:r>
-            <a:endParaRPr lang="de-AT" dirty="0" smtClean="0"/>
           </a:p>
           <a:p>
             <a:r>
@@ -4806,6 +4773,10 @@
               <a:rPr lang="de-AT" dirty="0" err="1" smtClean="0"/>
               <a:t>Menüplan</a:t>
             </a:r>
+            <a:r>
+              <a:rPr lang="de-AT" dirty="0" smtClean="0"/>
+              <a:t> erstellen</a:t>
+            </a:r>
             <a:endParaRPr lang="de-AT" dirty="0" smtClean="0"/>
           </a:p>
           <a:p>
@@ -4826,13 +4797,8 @@
             <a:pPr lvl="1"/>
             <a:r>
               <a:rPr lang="de-AT" dirty="0" smtClean="0"/>
-              <a:t>s</a:t>
-            </a:r>
-            <a:r>
-              <a:rPr lang="de-AT" dirty="0" smtClean="0"/>
-              <a:t>ortiert nach Supermarktbereichen</a:t>
-            </a:r>
-            <a:endParaRPr lang="de-AT" dirty="0" smtClean="0"/>
+              <a:t>sortiert nach Supermarktbereichen</a:t>
+            </a:r>
           </a:p>
           <a:p>
             <a:pPr>
@@ -4930,25 +4896,8 @@
             </a:pPr>
             <a:r>
               <a:rPr lang="de-AT" sz="2800" dirty="0" smtClean="0"/>
-              <a:t>z.B</a:t>
-            </a:r>
-            <a:r>
-              <a:rPr lang="de-AT" sz="2800" dirty="0" smtClean="0"/>
-              <a:t>. </a:t>
-            </a:r>
-            <a:r>
-              <a:rPr lang="de-AT" sz="2800" dirty="0" smtClean="0"/>
-              <a:t>Rezept mit 400 kcal aus Ernährungsplan</a:t>
-            </a:r>
-            <a:r>
-              <a:rPr lang="de-AT" sz="2800" dirty="0" smtClean="0"/>
-              <a:t>: 1500 </a:t>
-            </a:r>
-            <a:r>
-              <a:rPr lang="de-AT" sz="2800" dirty="0" smtClean="0"/>
-              <a:t>kcal/Tag</a:t>
-            </a:r>
-            <a:endParaRPr lang="de-AT" sz="2800" dirty="0" smtClean="0"/>
+              <a:t>z.B. Rezept mit 400 kcal aus Ernährungsplan: 1500 kcal/Tag</a:t>
+            </a:r>
           </a:p>
           <a:p>
             <a:pPr>
@@ -5359,7 +5308,12 @@
             <p:ph sz="quarter" idx="1"/>
           </p:nvPr>
         </p:nvSpPr>
-        <p:spPr/>
+        <p:spPr>
+          <a:xfrm>
+            <a:off x="612648" y="1600200"/>
+            <a:ext cx="8388508" cy="4495800"/>
+          </a:xfrm>
+        </p:spPr>
         <p:txBody>
           <a:bodyPr>
             <a:normAutofit/>
@@ -5379,8 +5333,20 @@
             </a:r>
             <a:r>
               <a:rPr lang="de-AT" sz="2400" dirty="0" smtClean="0"/>
-              <a:t>-Way-Data Binding</a:t>
-            </a:r>
+              <a:t>-Way-Data </a:t>
+            </a:r>
+            <a:r>
+              <a:rPr lang="de-AT" sz="2400" dirty="0" smtClean="0"/>
+              <a:t>Binding</a:t>
+            </a:r>
+          </a:p>
+          <a:p>
+            <a:pPr lvl="1"/>
+            <a:r>
+              <a:rPr lang="de-AT" sz="2400" dirty="0" smtClean="0"/>
+              <a:t>Modularer Aufbau: Hierarchie aus Komponenten und Services</a:t>
+            </a:r>
+            <a:endParaRPr lang="de-AT" sz="2400" dirty="0" smtClean="0"/>
           </a:p>
           <a:p>
             <a:pPr lvl="1"/>
@@ -5397,14 +5363,11 @@
             <a:pPr lvl="1"/>
             <a:r>
               <a:rPr lang="de-AT" sz="2400" dirty="0" smtClean="0"/>
-              <a:t>Aufteilung in wiederverwendbare Module</a:t>
-            </a:r>
-          </a:p>
-          <a:p>
-            <a:pPr lvl="1"/>
+              <a:t>Angular </a:t>
+            </a:r>
             <a:r>
               <a:rPr lang="de-AT" sz="2400" dirty="0" smtClean="0"/>
-              <a:t>Angular CLI (</a:t>
+              <a:t>CLI (</a:t>
             </a:r>
             <a:r>
               <a:rPr lang="de-AT" sz="2400" dirty="0" err="1" smtClean="0"/>
@@ -5414,7 +5377,6 @@
               <a:rPr lang="de-AT" sz="2400" dirty="0" smtClean="0"/>
               <a:t> Tool)</a:t>
             </a:r>
-            <a:endParaRPr lang="de-AT" sz="2400" dirty="0" smtClean="0"/>
           </a:p>
           <a:p>
             <a:endParaRPr lang="de-AT" dirty="0" smtClean="0"/>
@@ -6255,6 +6217,37 @@
           </a:fontRef>
         </p:style>
       </p:cxnSp>
+      <p:sp>
+        <p:nvSpPr>
+          <p:cNvPr id="27" name="Textfeld 26"/>
+          <p:cNvSpPr txBox="1"/>
+          <p:nvPr/>
+        </p:nvSpPr>
+        <p:spPr>
+          <a:xfrm>
+            <a:off x="642910" y="6143644"/>
+            <a:ext cx="1928794" cy="400110"/>
+          </a:xfrm>
+          <a:prstGeom prst="rect">
+            <a:avLst/>
+          </a:prstGeom>
+          <a:noFill/>
+        </p:spPr>
+        <p:txBody>
+          <a:bodyPr wrap="square" rtlCol="0">
+            <a:spAutoFit/>
+          </a:bodyPr>
+          <a:lstStyle/>
+          <a:p>
+            <a:pPr algn="ctr"/>
+            <a:r>
+              <a:rPr lang="de-AT" sz="2000" b="1" dirty="0" smtClean="0"/>
+              <a:t>REST-API</a:t>
+            </a:r>
+            <a:endParaRPr lang="de-AT" sz="2000" b="1" dirty="0"/>
+          </a:p>
+        </p:txBody>
+      </p:sp>
     </p:spTree>
   </p:cSld>
   <p:clrMapOvr>
@@ -6564,11 +6557,7 @@
             <a:pPr algn="ctr"/>
             <a:r>
               <a:rPr lang="de-AT" i="1" dirty="0" smtClean="0"/>
-              <a:t>ng </a:t>
-            </a:r>
-            <a:r>
-              <a:rPr lang="de-AT" i="1" dirty="0" smtClean="0"/>
-              <a:t>build</a:t>
+              <a:t>ng build</a:t>
             </a:r>
             <a:endParaRPr lang="de-AT" i="1" dirty="0"/>
           </a:p>
@@ -6816,72 +6805,6 @@
           <a:xfrm rot="5400000">
             <a:off x="1036613" y="3249611"/>
             <a:ext cx="1357322" cy="1588"/>
-          </a:xfrm>
-          <a:prstGeom prst="straightConnector1">
-            <a:avLst/>
-          </a:prstGeom>
-          <a:ln w="57150">
-            <a:tailEnd type="arrow"/>
-          </a:ln>
-        </p:spPr>
-        <p:style>
-          <a:lnRef idx="1">
-            <a:schemeClr val="accent1"/>
-          </a:lnRef>
-          <a:fillRef idx="0">
-            <a:schemeClr val="accent1"/>
-          </a:fillRef>
-          <a:effectRef idx="0">
-            <a:schemeClr val="accent1"/>
-          </a:effectRef>
-          <a:fontRef idx="minor">
-            <a:schemeClr val="tx1"/>
-          </a:fontRef>
-        </p:style>
-      </p:cxnSp>
-      <p:cxnSp>
-        <p:nvCxnSpPr>
-          <p:cNvPr id="23" name="Gerade Verbindung mit Pfeil 22"/>
-          <p:cNvCxnSpPr/>
-          <p:nvPr/>
-        </p:nvCxnSpPr>
-        <p:spPr>
-          <a:xfrm rot="5400000">
-            <a:off x="1428728" y="4857760"/>
-            <a:ext cx="571504" cy="1588"/>
-          </a:xfrm>
-          <a:prstGeom prst="straightConnector1">
-            <a:avLst/>
-          </a:prstGeom>
-          <a:ln w="57150">
-            <a:tailEnd type="arrow"/>
-          </a:ln>
-        </p:spPr>
-        <p:style>
-          <a:lnRef idx="1">
-            <a:schemeClr val="accent1"/>
-          </a:lnRef>
-          <a:fillRef idx="0">
-            <a:schemeClr val="accent1"/>
-          </a:fillRef>
-          <a:effectRef idx="0">
-            <a:schemeClr val="accent1"/>
-          </a:effectRef>
-          <a:fontRef idx="minor">
-            <a:schemeClr val="tx1"/>
-          </a:fontRef>
-        </p:style>
-      </p:cxnSp>
-      <p:cxnSp>
-        <p:nvCxnSpPr>
-          <p:cNvPr id="25" name="Gerade Verbindung mit Pfeil 24"/>
-          <p:cNvCxnSpPr/>
-          <p:nvPr/>
-        </p:nvCxnSpPr>
-        <p:spPr>
-          <a:xfrm rot="5400000">
-            <a:off x="6786578" y="4857760"/>
-            <a:ext cx="571504" cy="1588"/>
           </a:xfrm>
           <a:prstGeom prst="straightConnector1">
             <a:avLst/>
@@ -6990,7 +6913,7 @@
         </p:blipFill>
         <p:spPr bwMode="auto">
           <a:xfrm>
-            <a:off x="7929586" y="5143512"/>
+            <a:off x="8072462" y="5143512"/>
             <a:ext cx="887068" cy="800101"/>
           </a:xfrm>
           <a:prstGeom prst="rect">
@@ -7030,11 +6953,7 @@
           <a:p>
             <a:r>
               <a:rPr lang="de-AT" i="1" dirty="0" err="1" smtClean="0"/>
-              <a:t>o</a:t>
-            </a:r>
-            <a:r>
-              <a:rPr lang="de-AT" i="1" dirty="0" err="1" smtClean="0"/>
-              <a:t>c</a:t>
+              <a:t>oc</a:t>
             </a:r>
             <a:r>
               <a:rPr lang="de-AT" i="1" dirty="0" smtClean="0"/>
@@ -7080,11 +6999,7 @@
           <a:p>
             <a:r>
               <a:rPr lang="de-AT" i="1" dirty="0" err="1" smtClean="0"/>
-              <a:t>o</a:t>
-            </a:r>
-            <a:r>
-              <a:rPr lang="de-AT" i="1" dirty="0" err="1" smtClean="0"/>
-              <a:t>c</a:t>
+              <a:t>oc</a:t>
             </a:r>
             <a:r>
               <a:rPr lang="de-AT" i="1" dirty="0" smtClean="0"/>
@@ -7147,7 +7062,7 @@
         </p:nvSpPr>
         <p:spPr>
           <a:xfrm>
-            <a:off x="6143636" y="6027003"/>
+            <a:off x="5072066" y="5857892"/>
             <a:ext cx="3000364" cy="830997"/>
           </a:xfrm>
           <a:prstGeom prst="rect">
@@ -7188,7 +7103,7 @@
         </p:nvSpPr>
         <p:spPr>
           <a:xfrm>
-            <a:off x="214282" y="6027003"/>
+            <a:off x="1071538" y="5857892"/>
             <a:ext cx="3000380" cy="830997"/>
           </a:xfrm>
           <a:prstGeom prst="rect">
@@ -7287,6 +7202,340 @@
           <a:effectLst/>
         </p:spPr>
       </p:pic>
+      <p:sp>
+        <p:nvSpPr>
+          <p:cNvPr id="29" name="Nach rechts gekrümmter Pfeil 28"/>
+          <p:cNvSpPr/>
+          <p:nvPr/>
+        </p:nvSpPr>
+        <p:spPr>
+          <a:xfrm>
+            <a:off x="1357290" y="4643446"/>
+            <a:ext cx="285752" cy="428628"/>
+          </a:xfrm>
+          <a:prstGeom prst="curvedRightArrow">
+            <a:avLst/>
+          </a:prstGeom>
+        </p:spPr>
+        <p:style>
+          <a:lnRef idx="2">
+            <a:schemeClr val="accent1">
+              <a:shade val="50000"/>
+            </a:schemeClr>
+          </a:lnRef>
+          <a:fillRef idx="1">
+            <a:schemeClr val="accent1"/>
+          </a:fillRef>
+          <a:effectRef idx="0">
+            <a:schemeClr val="accent1"/>
+          </a:effectRef>
+          <a:fontRef idx="minor">
+            <a:schemeClr val="lt1"/>
+          </a:fontRef>
+        </p:style>
+        <p:txBody>
+          <a:bodyPr rtlCol="0" anchor="ctr"/>
+          <a:lstStyle/>
+          <a:p>
+            <a:pPr algn="ctr"/>
+            <a:endParaRPr lang="de-AT">
+              <a:solidFill>
+                <a:schemeClr val="tx1"/>
+              </a:solidFill>
+            </a:endParaRPr>
+          </a:p>
+        </p:txBody>
+      </p:sp>
+      <p:sp>
+        <p:nvSpPr>
+          <p:cNvPr id="32" name="Nach rechts gekrümmter Pfeil 31"/>
+          <p:cNvSpPr/>
+          <p:nvPr/>
+        </p:nvSpPr>
+        <p:spPr>
+          <a:xfrm rot="11103564">
+            <a:off x="1731322" y="4658361"/>
+            <a:ext cx="355798" cy="397681"/>
+          </a:xfrm>
+          <a:prstGeom prst="curvedRightArrow">
+            <a:avLst/>
+          </a:prstGeom>
+        </p:spPr>
+        <p:style>
+          <a:lnRef idx="2">
+            <a:schemeClr val="accent1">
+              <a:shade val="50000"/>
+            </a:schemeClr>
+          </a:lnRef>
+          <a:fillRef idx="1">
+            <a:schemeClr val="accent1"/>
+          </a:fillRef>
+          <a:effectRef idx="0">
+            <a:schemeClr val="accent1"/>
+          </a:effectRef>
+          <a:fontRef idx="minor">
+            <a:schemeClr val="lt1"/>
+          </a:fontRef>
+        </p:style>
+        <p:txBody>
+          <a:bodyPr rtlCol="0" anchor="ctr"/>
+          <a:lstStyle/>
+          <a:p>
+            <a:pPr algn="ctr"/>
+            <a:endParaRPr lang="de-AT">
+              <a:solidFill>
+                <a:schemeClr val="tx1"/>
+              </a:solidFill>
+            </a:endParaRPr>
+          </a:p>
+        </p:txBody>
+      </p:sp>
+      <p:sp>
+        <p:nvSpPr>
+          <p:cNvPr id="33" name="Nach rechts gekrümmter Pfeil 32"/>
+          <p:cNvSpPr/>
+          <p:nvPr/>
+        </p:nvSpPr>
+        <p:spPr>
+          <a:xfrm>
+            <a:off x="6715140" y="4643446"/>
+            <a:ext cx="285752" cy="428628"/>
+          </a:xfrm>
+          <a:prstGeom prst="curvedRightArrow">
+            <a:avLst/>
+          </a:prstGeom>
+        </p:spPr>
+        <p:style>
+          <a:lnRef idx="2">
+            <a:schemeClr val="accent1">
+              <a:shade val="50000"/>
+            </a:schemeClr>
+          </a:lnRef>
+          <a:fillRef idx="1">
+            <a:schemeClr val="accent1"/>
+          </a:fillRef>
+          <a:effectRef idx="0">
+            <a:schemeClr val="accent1"/>
+          </a:effectRef>
+          <a:fontRef idx="minor">
+            <a:schemeClr val="lt1"/>
+          </a:fontRef>
+        </p:style>
+        <p:txBody>
+          <a:bodyPr rtlCol="0" anchor="ctr"/>
+          <a:lstStyle/>
+          <a:p>
+            <a:pPr algn="ctr"/>
+            <a:endParaRPr lang="de-AT">
+              <a:solidFill>
+                <a:schemeClr val="tx1"/>
+              </a:solidFill>
+            </a:endParaRPr>
+          </a:p>
+        </p:txBody>
+      </p:sp>
+      <p:sp>
+        <p:nvSpPr>
+          <p:cNvPr id="35" name="Nach rechts gekrümmter Pfeil 34"/>
+          <p:cNvSpPr/>
+          <p:nvPr/>
+        </p:nvSpPr>
+        <p:spPr>
+          <a:xfrm rot="11103564">
+            <a:off x="7089172" y="4658361"/>
+            <a:ext cx="355798" cy="397681"/>
+          </a:xfrm>
+          <a:prstGeom prst="curvedRightArrow">
+            <a:avLst/>
+          </a:prstGeom>
+        </p:spPr>
+        <p:style>
+          <a:lnRef idx="2">
+            <a:schemeClr val="accent1">
+              <a:shade val="50000"/>
+            </a:schemeClr>
+          </a:lnRef>
+          <a:fillRef idx="1">
+            <a:schemeClr val="accent1"/>
+          </a:fillRef>
+          <a:effectRef idx="0">
+            <a:schemeClr val="accent1"/>
+          </a:effectRef>
+          <a:fontRef idx="minor">
+            <a:schemeClr val="lt1"/>
+          </a:fontRef>
+        </p:style>
+        <p:txBody>
+          <a:bodyPr rtlCol="0" anchor="ctr"/>
+          <a:lstStyle/>
+          <a:p>
+            <a:pPr algn="ctr"/>
+            <a:endParaRPr lang="de-AT">
+              <a:solidFill>
+                <a:schemeClr val="tx1"/>
+              </a:solidFill>
+            </a:endParaRPr>
+          </a:p>
+        </p:txBody>
+      </p:sp>
+      <p:sp>
+        <p:nvSpPr>
+          <p:cNvPr id="36" name="Abgerundetes Rechteck 35"/>
+          <p:cNvSpPr/>
+          <p:nvPr/>
+        </p:nvSpPr>
+        <p:spPr>
+          <a:xfrm>
+            <a:off x="857224" y="5857892"/>
+            <a:ext cx="3286148" cy="857256"/>
+          </a:xfrm>
+          <a:prstGeom prst="roundRect">
+            <a:avLst/>
+          </a:prstGeom>
+          <a:noFill/>
+          <a:ln w="47625">
+            <a:solidFill>
+              <a:srgbClr val="00B050"/>
+            </a:solidFill>
+          </a:ln>
+        </p:spPr>
+        <p:style>
+          <a:lnRef idx="2">
+            <a:schemeClr val="accent1">
+              <a:shade val="50000"/>
+            </a:schemeClr>
+          </a:lnRef>
+          <a:fillRef idx="1">
+            <a:schemeClr val="accent1"/>
+          </a:fillRef>
+          <a:effectRef idx="0">
+            <a:schemeClr val="accent1"/>
+          </a:effectRef>
+          <a:fontRef idx="minor">
+            <a:schemeClr val="lt1"/>
+          </a:fontRef>
+        </p:style>
+        <p:txBody>
+          <a:bodyPr rtlCol="0" anchor="ctr"/>
+          <a:lstStyle/>
+          <a:p>
+            <a:pPr algn="ctr"/>
+            <a:endParaRPr lang="de-AT"/>
+          </a:p>
+        </p:txBody>
+      </p:sp>
+      <p:sp>
+        <p:nvSpPr>
+          <p:cNvPr id="37" name="Abgerundetes Rechteck 36"/>
+          <p:cNvSpPr/>
+          <p:nvPr/>
+        </p:nvSpPr>
+        <p:spPr>
+          <a:xfrm>
+            <a:off x="4857752" y="5857892"/>
+            <a:ext cx="3286148" cy="857256"/>
+          </a:xfrm>
+          <a:prstGeom prst="roundRect">
+            <a:avLst/>
+          </a:prstGeom>
+          <a:noFill/>
+          <a:ln w="47625">
+            <a:solidFill>
+              <a:srgbClr val="00B050"/>
+            </a:solidFill>
+          </a:ln>
+        </p:spPr>
+        <p:style>
+          <a:lnRef idx="2">
+            <a:schemeClr val="accent1">
+              <a:shade val="50000"/>
+            </a:schemeClr>
+          </a:lnRef>
+          <a:fillRef idx="1">
+            <a:schemeClr val="accent1"/>
+          </a:fillRef>
+          <a:effectRef idx="0">
+            <a:schemeClr val="accent1"/>
+          </a:effectRef>
+          <a:fontRef idx="minor">
+            <a:schemeClr val="lt1"/>
+          </a:fontRef>
+        </p:style>
+        <p:txBody>
+          <a:bodyPr rtlCol="0" anchor="ctr"/>
+          <a:lstStyle/>
+          <a:p>
+            <a:pPr algn="ctr"/>
+            <a:endParaRPr lang="de-AT"/>
+          </a:p>
+        </p:txBody>
+      </p:sp>
+      <p:cxnSp>
+        <p:nvCxnSpPr>
+          <p:cNvPr id="40" name="Gerade Verbindung mit Pfeil 39"/>
+          <p:cNvCxnSpPr/>
+          <p:nvPr/>
+        </p:nvCxnSpPr>
+        <p:spPr>
+          <a:xfrm rot="5400000">
+            <a:off x="6930248" y="5642784"/>
+            <a:ext cx="285752" cy="1588"/>
+          </a:xfrm>
+          <a:prstGeom prst="straightConnector1">
+            <a:avLst/>
+          </a:prstGeom>
+          <a:ln w="57150">
+            <a:tailEnd type="arrow"/>
+          </a:ln>
+        </p:spPr>
+        <p:style>
+          <a:lnRef idx="1">
+            <a:schemeClr val="accent1"/>
+          </a:lnRef>
+          <a:fillRef idx="0">
+            <a:schemeClr val="accent1"/>
+          </a:fillRef>
+          <a:effectRef idx="0">
+            <a:schemeClr val="accent1"/>
+          </a:effectRef>
+          <a:fontRef idx="minor">
+            <a:schemeClr val="tx1"/>
+          </a:fontRef>
+        </p:style>
+      </p:cxnSp>
+      <p:cxnSp>
+        <p:nvCxnSpPr>
+          <p:cNvPr id="41" name="Gerade Verbindung mit Pfeil 40"/>
+          <p:cNvCxnSpPr/>
+          <p:nvPr/>
+        </p:nvCxnSpPr>
+        <p:spPr>
+          <a:xfrm rot="5400000">
+            <a:off x="1572398" y="5642784"/>
+            <a:ext cx="285752" cy="1588"/>
+          </a:xfrm>
+          <a:prstGeom prst="straightConnector1">
+            <a:avLst/>
+          </a:prstGeom>
+          <a:ln w="57150">
+            <a:tailEnd type="arrow"/>
+          </a:ln>
+        </p:spPr>
+        <p:style>
+          <a:lnRef idx="1">
+            <a:schemeClr val="accent1"/>
+          </a:lnRef>
+          <a:fillRef idx="0">
+            <a:schemeClr val="accent1"/>
+          </a:fillRef>
+          <a:effectRef idx="0">
+            <a:schemeClr val="accent1"/>
+          </a:effectRef>
+          <a:fontRef idx="minor">
+            <a:schemeClr val="tx1"/>
+          </a:fontRef>
+        </p:style>
+      </p:cxnSp>
     </p:spTree>
   </p:cSld>
   <p:clrMapOvr>

--- a/docs/EatBalanced_Presentation_Klonner.pptx
+++ b/docs/EatBalanced_Presentation_Klonner.pptx
@@ -406,7 +406,7 @@
             <a:fld id="{90FB30C2-88FE-43E2-BC08-96A5A2047C0E}" type="datetimeFigureOut">
               <a:rPr lang="de-DE" smtClean="0"/>
               <a:pPr/>
-              <a:t>13.03.2018</a:t>
+              <a:t>15.03.2018</a:t>
             </a:fld>
             <a:endParaRPr lang="de-AT" dirty="0"/>
           </a:p>
@@ -599,7 +599,7 @@
             <a:fld id="{90FB30C2-88FE-43E2-BC08-96A5A2047C0E}" type="datetimeFigureOut">
               <a:rPr lang="de-DE" smtClean="0"/>
               <a:pPr/>
-              <a:t>13.03.2018</a:t>
+              <a:t>15.03.2018</a:t>
             </a:fld>
             <a:endParaRPr lang="de-AT" dirty="0"/>
           </a:p>
@@ -786,7 +786,7 @@
             <a:fld id="{90FB30C2-88FE-43E2-BC08-96A5A2047C0E}" type="datetimeFigureOut">
               <a:rPr lang="de-DE" smtClean="0"/>
               <a:pPr/>
-              <a:t>13.03.2018</a:t>
+              <a:t>15.03.2018</a:t>
             </a:fld>
             <a:endParaRPr lang="de-AT" dirty="0"/>
           </a:p>
@@ -1051,7 +1051,7 @@
             <a:fld id="{90FB30C2-88FE-43E2-BC08-96A5A2047C0E}" type="datetimeFigureOut">
               <a:rPr lang="de-DE" smtClean="0"/>
               <a:pPr/>
-              <a:t>13.03.2018</a:t>
+              <a:t>15.03.2018</a:t>
             </a:fld>
             <a:endParaRPr lang="de-AT" dirty="0"/>
           </a:p>
@@ -1469,7 +1469,7 @@
             <a:fld id="{90FB30C2-88FE-43E2-BC08-96A5A2047C0E}" type="datetimeFigureOut">
               <a:rPr lang="de-DE" smtClean="0"/>
               <a:pPr/>
-              <a:t>13.03.2018</a:t>
+              <a:t>15.03.2018</a:t>
             </a:fld>
             <a:endParaRPr lang="de-AT" dirty="0"/>
           </a:p>
@@ -1713,7 +1713,7 @@
             <a:fld id="{90FB30C2-88FE-43E2-BC08-96A5A2047C0E}" type="datetimeFigureOut">
               <a:rPr lang="de-DE" smtClean="0"/>
               <a:pPr/>
-              <a:t>13.03.2018</a:t>
+              <a:t>15.03.2018</a:t>
             </a:fld>
             <a:endParaRPr lang="de-AT" dirty="0"/>
           </a:p>
@@ -1951,7 +1951,7 @@
             <a:fld id="{90FB30C2-88FE-43E2-BC08-96A5A2047C0E}" type="datetimeFigureOut">
               <a:rPr lang="de-DE" smtClean="0"/>
               <a:pPr/>
-              <a:t>13.03.2018</a:t>
+              <a:t>15.03.2018</a:t>
             </a:fld>
             <a:endParaRPr lang="de-AT" dirty="0"/>
           </a:p>
@@ -2148,7 +2148,7 @@
             <a:fld id="{90FB30C2-88FE-43E2-BC08-96A5A2047C0E}" type="datetimeFigureOut">
               <a:rPr lang="de-DE" smtClean="0"/>
               <a:pPr/>
-              <a:t>13.03.2018</a:t>
+              <a:t>15.03.2018</a:t>
             </a:fld>
             <a:endParaRPr lang="de-AT" dirty="0"/>
           </a:p>
@@ -2248,7 +2248,7 @@
             <a:fld id="{90FB30C2-88FE-43E2-BC08-96A5A2047C0E}" type="datetimeFigureOut">
               <a:rPr lang="de-DE" smtClean="0"/>
               <a:pPr/>
-              <a:t>13.03.2018</a:t>
+              <a:t>15.03.2018</a:t>
             </a:fld>
             <a:endParaRPr lang="de-AT" dirty="0"/>
           </a:p>
@@ -2386,7 +2386,7 @@
             <a:fld id="{90FB30C2-88FE-43E2-BC08-96A5A2047C0E}" type="datetimeFigureOut">
               <a:rPr lang="de-DE" smtClean="0"/>
               <a:pPr/>
-              <a:t>13.03.2018</a:t>
+              <a:t>15.03.2018</a:t>
             </a:fld>
             <a:endParaRPr lang="de-AT" dirty="0"/>
           </a:p>
@@ -2906,7 +2906,7 @@
             <a:fld id="{90FB30C2-88FE-43E2-BC08-96A5A2047C0E}" type="datetimeFigureOut">
               <a:rPr lang="de-DE" smtClean="0"/>
               <a:pPr/>
-              <a:t>13.03.2018</a:t>
+              <a:t>15.03.2018</a:t>
             </a:fld>
             <a:endParaRPr lang="de-AT" dirty="0"/>
           </a:p>
@@ -3169,7 +3169,7 @@
             <a:fld id="{90FB30C2-88FE-43E2-BC08-96A5A2047C0E}" type="datetimeFigureOut">
               <a:rPr lang="de-DE" smtClean="0"/>
               <a:pPr/>
-              <a:t>13.03.2018</a:t>
+              <a:t>15.03.2018</a:t>
             </a:fld>
             <a:endParaRPr lang="de-AT" dirty="0"/>
           </a:p>
@@ -4742,20 +4742,23 @@
             <a:pPr lvl="1"/>
             <a:r>
               <a:rPr lang="de-AT" dirty="0" smtClean="0"/>
-              <a:t>mit Desktop oder Smartphone</a:t>
+              <a:t>mit Desktop </a:t>
+            </a:r>
+            <a:r>
+              <a:rPr lang="de-AT" dirty="0" smtClean="0"/>
+              <a:t>(exkl. IE) oder </a:t>
+            </a:r>
+            <a:r>
+              <a:rPr lang="de-AT" dirty="0" smtClean="0"/>
+              <a:t>Smartphone</a:t>
             </a:r>
           </a:p>
           <a:p>
             <a:pPr lvl="1"/>
             <a:r>
               <a:rPr lang="de-AT" dirty="0" smtClean="0"/>
-              <a:t>beim Kochen Rezept vom </a:t>
-            </a:r>
-            <a:r>
-              <a:rPr lang="de-AT" dirty="0" smtClean="0"/>
-              <a:t>Smartphone verwenden</a:t>
-            </a:r>
-            <a:endParaRPr lang="de-AT" dirty="0" smtClean="0"/>
+              <a:t>beim Kochen Rezept vom Smartphone verwenden</a:t>
+            </a:r>
           </a:p>
           <a:p>
             <a:pPr lvl="1"/>
@@ -4777,7 +4780,6 @@
               <a:rPr lang="de-AT" dirty="0" smtClean="0"/>
               <a:t> erstellen</a:t>
             </a:r>
-            <a:endParaRPr lang="de-AT" dirty="0" smtClean="0"/>
           </a:p>
           <a:p>
             <a:pPr lvl="1"/>
@@ -5333,11 +5335,7 @@
             </a:r>
             <a:r>
               <a:rPr lang="de-AT" sz="2400" dirty="0" smtClean="0"/>
-              <a:t>-Way-Data </a:t>
-            </a:r>
-            <a:r>
-              <a:rPr lang="de-AT" sz="2400" dirty="0" smtClean="0"/>
-              <a:t>Binding</a:t>
+              <a:t>-Way-Data Binding</a:t>
             </a:r>
           </a:p>
           <a:p>
@@ -5346,7 +5344,6 @@
               <a:rPr lang="de-AT" sz="2400" dirty="0" smtClean="0"/>
               <a:t>Modularer Aufbau: Hierarchie aus Komponenten und Services</a:t>
             </a:r>
-            <a:endParaRPr lang="de-AT" sz="2400" dirty="0" smtClean="0"/>
           </a:p>
           <a:p>
             <a:pPr lvl="1"/>
@@ -5363,11 +5360,7 @@
             <a:pPr lvl="1"/>
             <a:r>
               <a:rPr lang="de-AT" sz="2400" dirty="0" smtClean="0"/>
-              <a:t>Angular </a:t>
-            </a:r>
-            <a:r>
-              <a:rPr lang="de-AT" sz="2400" dirty="0" smtClean="0"/>
-              <a:t>CLI (</a:t>
+              <a:t>Angular CLI (</a:t>
             </a:r>
             <a:r>
               <a:rPr lang="de-AT" sz="2400" dirty="0" err="1" smtClean="0"/>

--- a/docs/EatBalanced_Presentation_Klonner.pptx
+++ b/docs/EatBalanced_Presentation_Klonner.pptx
@@ -4009,8 +4009,13 @@
             </a:pPr>
             <a:r>
               <a:rPr lang="de-AT" u="sng" dirty="0" smtClean="0"/>
-              <a:t>Essen nach Ernährungsplan:</a:t>
-            </a:r>
+              <a:t>Essen </a:t>
+            </a:r>
+            <a:r>
+              <a:rPr lang="de-AT" u="sng" dirty="0" smtClean="0"/>
+              <a:t>anhand eines Ernährungsplans:</a:t>
+            </a:r>
+            <a:endParaRPr lang="de-AT" u="sng" dirty="0" smtClean="0"/>
           </a:p>
           <a:p>
             <a:pPr>
@@ -4018,7 +4023,15 @@
             </a:pPr>
             <a:r>
               <a:rPr lang="de-AT" sz="2400" dirty="0" smtClean="0"/>
-              <a:t>    Auf Basis eines fertigen, ausgewogenen Ernährungsplans mit definierten Rezepten soll genau die benötigte Menge an Energie aufgenommen werden:</a:t>
+              <a:t>    Auf Basis eines fertigen, ausgewogenen Ernährungsplans mit definierten Rezepten soll </a:t>
+            </a:r>
+            <a:r>
+              <a:rPr lang="de-AT" sz="2400" dirty="0" smtClean="0"/>
+              <a:t>nur genau </a:t>
+            </a:r>
+            <a:r>
+              <a:rPr lang="de-AT" sz="2400" dirty="0" smtClean="0"/>
+              <a:t>die benötigte Menge an Energie aufgenommen werden:</a:t>
             </a:r>
           </a:p>
           <a:p>
@@ -4724,81 +4737,73 @@
           <a:lstStyle/>
           <a:p>
             <a:r>
-              <a:rPr lang="de-AT" dirty="0" smtClean="0"/>
+              <a:rPr lang="de-AT" sz="2800" dirty="0" smtClean="0"/>
               <a:t>Rezeptdatenbank aus Ernährungsplan</a:t>
             </a:r>
           </a:p>
           <a:p>
             <a:r>
-              <a:rPr lang="de-AT" dirty="0" err="1" smtClean="0"/>
+              <a:rPr lang="de-AT" sz="2800" dirty="0" err="1" smtClean="0"/>
               <a:t>Menüplan</a:t>
             </a:r>
             <a:r>
-              <a:rPr lang="de-AT" dirty="0" smtClean="0"/>
+              <a:rPr lang="de-AT" sz="2800" dirty="0" smtClean="0"/>
               <a:t> erstellen (für Haushalt)</a:t>
             </a:r>
           </a:p>
           <a:p>
             <a:pPr lvl="1"/>
             <a:r>
-              <a:rPr lang="de-AT" dirty="0" smtClean="0"/>
-              <a:t>mit Desktop </a:t>
-            </a:r>
-            <a:r>
-              <a:rPr lang="de-AT" dirty="0" smtClean="0"/>
-              <a:t>(exkl. IE) oder </a:t>
-            </a:r>
-            <a:r>
-              <a:rPr lang="de-AT" dirty="0" smtClean="0"/>
-              <a:t>Smartphone</a:t>
+              <a:rPr lang="de-AT" sz="2400" dirty="0" smtClean="0"/>
+              <a:t>mit Desktop (exkl. IE) oder Smartphone</a:t>
             </a:r>
           </a:p>
           <a:p>
             <a:pPr lvl="1"/>
             <a:r>
-              <a:rPr lang="de-AT" dirty="0" smtClean="0"/>
+              <a:rPr lang="de-AT" sz="2400" dirty="0" smtClean="0"/>
               <a:t>beim Kochen Rezept vom Smartphone verwenden</a:t>
             </a:r>
           </a:p>
           <a:p>
             <a:pPr lvl="1"/>
             <a:r>
-              <a:rPr lang="de-AT" dirty="0" smtClean="0"/>
+              <a:rPr lang="de-AT" sz="2400" dirty="0" smtClean="0"/>
               <a:t>User-spezifische Anpassung der Rezepte</a:t>
             </a:r>
           </a:p>
           <a:p>
             <a:r>
-              <a:rPr lang="de-AT" dirty="0" smtClean="0"/>
+              <a:rPr lang="de-AT" sz="2800" dirty="0" smtClean="0"/>
               <a:t>Einkaufsliste aus </a:t>
             </a:r>
             <a:r>
-              <a:rPr lang="de-AT" dirty="0" err="1" smtClean="0"/>
+              <a:rPr lang="de-AT" sz="2800" dirty="0" err="1" smtClean="0"/>
               <a:t>Menüplan</a:t>
             </a:r>
             <a:r>
-              <a:rPr lang="de-AT" dirty="0" smtClean="0"/>
+              <a:rPr lang="de-AT" sz="2800" dirty="0" smtClean="0"/>
               <a:t> erstellen</a:t>
             </a:r>
           </a:p>
           <a:p>
             <a:pPr lvl="1"/>
             <a:r>
-              <a:rPr lang="de-AT" dirty="0" smtClean="0"/>
+              <a:rPr lang="de-AT" sz="2400" dirty="0" smtClean="0"/>
               <a:t>Einkaufen mit dem Smartphone</a:t>
             </a:r>
           </a:p>
           <a:p>
             <a:pPr lvl="1"/>
             <a:r>
-              <a:rPr lang="de-AT" dirty="0" smtClean="0"/>
+              <a:rPr lang="de-AT" sz="2400" dirty="0" smtClean="0"/>
               <a:t>Einträge löschen</a:t>
             </a:r>
           </a:p>
           <a:p>
             <a:pPr lvl="1"/>
             <a:r>
-              <a:rPr lang="de-AT" dirty="0" smtClean="0"/>
+              <a:rPr lang="de-AT" sz="2400" dirty="0" smtClean="0"/>
               <a:t>sortiert nach Supermarktbereichen</a:t>
             </a:r>
           </a:p>
@@ -4880,8 +4885,8 @@
         </p:nvSpPr>
         <p:spPr>
           <a:xfrm>
-            <a:off x="142844" y="1571612"/>
-            <a:ext cx="8786842" cy="1318310"/>
+            <a:off x="714348" y="1571612"/>
+            <a:ext cx="7572428" cy="1195199"/>
           </a:xfrm>
           <a:prstGeom prst="rect">
             <a:avLst/>
@@ -4897,7 +4902,7 @@
               <a:buNone/>
             </a:pPr>
             <a:r>
-              <a:rPr lang="de-AT" sz="2800" dirty="0" smtClean="0"/>
+              <a:rPr lang="de-AT" sz="2400" dirty="0" smtClean="0"/>
               <a:t>z.B. Rezept mit 400 kcal aus Ernährungsplan: 1500 kcal/Tag</a:t>
             </a:r>
           </a:p>
@@ -4906,7 +4911,7 @@
               <a:buNone/>
             </a:pPr>
             <a:r>
-              <a:rPr lang="de-AT" sz="2000" dirty="0" smtClean="0"/>
+              <a:rPr lang="de-AT" sz="1800" dirty="0" smtClean="0"/>
               <a:t>Faktor User 1 (Energiebedarf: 1400 kcal) = 1400/1500 = 0.93</a:t>
             </a:r>
           </a:p>
@@ -4915,7 +4920,7 @@
               <a:buNone/>
             </a:pPr>
             <a:r>
-              <a:rPr lang="de-AT" sz="2000" dirty="0" smtClean="0"/>
+              <a:rPr lang="de-AT" sz="1800" dirty="0" smtClean="0"/>
               <a:t>Faktor User 2 (Energiebedarf: 2100 kcal) = 2100/1500 = 1.40</a:t>
             </a:r>
           </a:p>
@@ -6597,7 +6602,7 @@
         </p:nvSpPr>
         <p:spPr>
           <a:xfrm>
-            <a:off x="7643834" y="3643314"/>
+            <a:off x="7643834" y="3500438"/>
             <a:ext cx="1214446" cy="369332"/>
           </a:xfrm>
           <a:prstGeom prst="rect">
@@ -6729,7 +6734,7 @@
         </p:nvSpPr>
         <p:spPr>
           <a:xfrm>
-            <a:off x="6507" y="3143248"/>
+            <a:off x="0" y="3000372"/>
             <a:ext cx="1214446" cy="369332"/>
           </a:xfrm>
           <a:prstGeom prst="rect">
@@ -6906,7 +6911,7 @@
         </p:blipFill>
         <p:spPr bwMode="auto">
           <a:xfrm>
-            <a:off x="8072462" y="5143512"/>
+            <a:off x="7929586" y="5072074"/>
             <a:ext cx="887068" cy="800101"/>
           </a:xfrm>
           <a:prstGeom prst="rect">
